--- a/CUDA Assignment.pptx
+++ b/CUDA Assignment.pptx
@@ -736,16 +736,16 @@
                 <c:formatCode>General</c:formatCode>
                 <c:ptCount val="4"/>
                 <c:pt idx="0">
-                  <c:v>8.1236999999999995</c:v>
+                  <c:v>3.8307000000000002</c:v>
                 </c:pt>
                 <c:pt idx="1">
-                  <c:v>3.0268270994764399</c:v>
+                  <c:v>3.0160999999999998</c:v>
                 </c:pt>
                 <c:pt idx="2">
-                  <c:v>4.1646098916184897</c:v>
+                  <c:v>4.1627999999999998</c:v>
                 </c:pt>
                 <c:pt idx="3">
-                  <c:v>1.69107024972122</c:v>
+                  <c:v>1.6586000000000001</c:v>
                 </c:pt>
               </c:numCache>
             </c:numRef>
@@ -6454,7 +6454,7 @@
             <p:ph idx="1"/>
             <p:extLst>
               <p:ext uri="{D42A27DB-BD31-4B8C-83A1-F6EECF244321}">
-                <p14:modId xmlns:p14="http://schemas.microsoft.com/office/powerpoint/2010/main" val="98461926"/>
+                <p14:modId xmlns:p14="http://schemas.microsoft.com/office/powerpoint/2010/main" val="2827824298"/>
               </p:ext>
             </p:extLst>
           </p:nvPr>

--- a/CUDA Assignment.pptx
+++ b/CUDA Assignment.pptx
@@ -155,7 +155,7 @@
             </a:pPr>
             <a:r>
               <a:rPr lang="it-IT" dirty="0"/>
-              <a:t>EXCUTION</a:t>
+              <a:t>EXECUTION</a:t>
             </a:r>
             <a:r>
               <a:rPr lang="it-IT" baseline="0" dirty="0"/>
@@ -402,7 +402,7 @@
                   <c:v>1.3839999999999999</c:v>
                 </c:pt>
                 <c:pt idx="3">
-                  <c:v>3.8180000000000001</c:v>
+                  <c:v>33.817999999999998</c:v>
                 </c:pt>
               </c:numCache>
             </c:numRef>
@@ -721,7 +721,7 @@
                   <c:v>SMALL</c:v>
                 </c:pt>
                 <c:pt idx="2">
-                  <c:v>STANDER</c:v>
+                  <c:v>STANDARD</c:v>
                 </c:pt>
                 <c:pt idx="3">
                   <c:v>LARGE</c:v>
@@ -795,7 +795,7 @@
                   <c:v>SMALL</c:v>
                 </c:pt>
                 <c:pt idx="2">
-                  <c:v>STANDER</c:v>
+                  <c:v>STANDARD</c:v>
                 </c:pt>
                 <c:pt idx="3">
                   <c:v>LARGE</c:v>
@@ -5861,18 +5861,13 @@
           <a:lstStyle/>
           <a:p>
             <a:r>
-              <a:rPr lang="it-IT" sz="2400" dirty="0"/>
-              <a:t>Kernel_covariance it’s the most important function in the application so in the first stage w run the function on the host in </a:t>
-            </a:r>
-            <a:r>
-              <a:rPr lang="it-IT" sz="2400" dirty="0" err="1"/>
-              <a:t>parallel</a:t>
-            </a:r>
-            <a:r>
-              <a:rPr lang="it-IT" sz="2400" dirty="0"/>
-              <a:t>, second we run the function on the device in cuda  then we compare the excution  time and the speedup of two methods </a:t>
-            </a:r>
-            <a:endParaRPr lang="en-US" sz="2400" dirty="0"/>
+              <a:rPr lang="en-GB" sz="2400" dirty="0" err="1"/>
+              <a:t>Kernel_covariance</a:t>
+            </a:r>
+            <a:r>
+              <a:rPr lang="en-GB" sz="2400" dirty="0"/>
+              <a:t> it’s the most important function in the application so in the first stage we ran the function on the host in parallel, then we ran the function on the device in CUDA  then we compare the execution  time and the speedup of the two methods </a:t>
+            </a:r>
           </a:p>
         </p:txBody>
       </p:sp>
@@ -6116,8 +6111,8 @@
         </p:nvSpPr>
         <p:spPr>
           <a:xfrm>
-            <a:off x="8486775" y="1457325"/>
-            <a:ext cx="2657475" cy="1938992"/>
+            <a:off x="6419853" y="2571571"/>
+            <a:ext cx="4724397" cy="1200329"/>
           </a:xfrm>
           <a:prstGeom prst="rect">
             <a:avLst/>
@@ -6131,10 +6126,9 @@
           <a:lstStyle/>
           <a:p>
             <a:r>
-              <a:rPr lang="it-IT" sz="2400" dirty="0"/>
-              <a:t>We have splited the covariance function into three functions they are run  on the the device </a:t>
-            </a:r>
-            <a:endParaRPr lang="en-US" sz="2400" dirty="0"/>
+              <a:rPr lang="en-GB" sz="2400" dirty="0"/>
+              <a:t>We have split the covariance function into three functions they are run  on the device </a:t>
+            </a:r>
           </a:p>
         </p:txBody>
       </p:sp>
@@ -6393,7 +6387,7 @@
             <p:ph idx="1"/>
             <p:extLst>
               <p:ext uri="{D42A27DB-BD31-4B8C-83A1-F6EECF244321}">
-                <p14:modId xmlns:p14="http://schemas.microsoft.com/office/powerpoint/2010/main" val="3446650802"/>
+                <p14:modId xmlns:p14="http://schemas.microsoft.com/office/powerpoint/2010/main" val="4164630801"/>
               </p:ext>
             </p:extLst>
           </p:nvPr>
@@ -6454,7 +6448,7 @@
             <p:ph idx="1"/>
             <p:extLst>
               <p:ext uri="{D42A27DB-BD31-4B8C-83A1-F6EECF244321}">
-                <p14:modId xmlns:p14="http://schemas.microsoft.com/office/powerpoint/2010/main" val="2827824298"/>
+                <p14:modId xmlns:p14="http://schemas.microsoft.com/office/powerpoint/2010/main" val="931032270"/>
               </p:ext>
             </p:extLst>
           </p:nvPr>
